--- a/Assignment1_STN.pptx
+++ b/Assignment1_STN.pptx
@@ -7,6 +7,7 @@
   <p:sldIdLst>
     <p:sldId id="256" r:id="rId2"/>
     <p:sldId id="257" r:id="rId3"/>
+    <p:sldId id="258" r:id="rId4"/>
   </p:sldIdLst>
   <p:sldSz cx="12192000" cy="6858000"/>
   <p:notesSz cx="6858000" cy="9144000"/>
@@ -244,7 +245,7 @@
           <a:p>
             <a:fld id="{E5B94112-40F8-46F1-9938-B2754288A1D5}" type="datetimeFigureOut">
               <a:rPr lang="en-NZ" smtClean="0"/>
-              <a:t>20/03/2017</a:t>
+              <a:t>23/03/2017</a:t>
             </a:fld>
             <a:endParaRPr lang="en-NZ"/>
           </a:p>
@@ -414,7 +415,7 @@
           <a:p>
             <a:fld id="{E5B94112-40F8-46F1-9938-B2754288A1D5}" type="datetimeFigureOut">
               <a:rPr lang="en-NZ" smtClean="0"/>
-              <a:t>20/03/2017</a:t>
+              <a:t>23/03/2017</a:t>
             </a:fld>
             <a:endParaRPr lang="en-NZ"/>
           </a:p>
@@ -594,7 +595,7 @@
           <a:p>
             <a:fld id="{E5B94112-40F8-46F1-9938-B2754288A1D5}" type="datetimeFigureOut">
               <a:rPr lang="en-NZ" smtClean="0"/>
-              <a:t>20/03/2017</a:t>
+              <a:t>23/03/2017</a:t>
             </a:fld>
             <a:endParaRPr lang="en-NZ"/>
           </a:p>
@@ -764,7 +765,7 @@
           <a:p>
             <a:fld id="{E5B94112-40F8-46F1-9938-B2754288A1D5}" type="datetimeFigureOut">
               <a:rPr lang="en-NZ" smtClean="0"/>
-              <a:t>20/03/2017</a:t>
+              <a:t>23/03/2017</a:t>
             </a:fld>
             <a:endParaRPr lang="en-NZ"/>
           </a:p>
@@ -1010,7 +1011,7 @@
           <a:p>
             <a:fld id="{E5B94112-40F8-46F1-9938-B2754288A1D5}" type="datetimeFigureOut">
               <a:rPr lang="en-NZ" smtClean="0"/>
-              <a:t>20/03/2017</a:t>
+              <a:t>23/03/2017</a:t>
             </a:fld>
             <a:endParaRPr lang="en-NZ"/>
           </a:p>
@@ -1242,7 +1243,7 @@
           <a:p>
             <a:fld id="{E5B94112-40F8-46F1-9938-B2754288A1D5}" type="datetimeFigureOut">
               <a:rPr lang="en-NZ" smtClean="0"/>
-              <a:t>20/03/2017</a:t>
+              <a:t>23/03/2017</a:t>
             </a:fld>
             <a:endParaRPr lang="en-NZ"/>
           </a:p>
@@ -1609,7 +1610,7 @@
           <a:p>
             <a:fld id="{E5B94112-40F8-46F1-9938-B2754288A1D5}" type="datetimeFigureOut">
               <a:rPr lang="en-NZ" smtClean="0"/>
-              <a:t>20/03/2017</a:t>
+              <a:t>23/03/2017</a:t>
             </a:fld>
             <a:endParaRPr lang="en-NZ"/>
           </a:p>
@@ -1727,7 +1728,7 @@
           <a:p>
             <a:fld id="{E5B94112-40F8-46F1-9938-B2754288A1D5}" type="datetimeFigureOut">
               <a:rPr lang="en-NZ" smtClean="0"/>
-              <a:t>20/03/2017</a:t>
+              <a:t>23/03/2017</a:t>
             </a:fld>
             <a:endParaRPr lang="en-NZ"/>
           </a:p>
@@ -1822,7 +1823,7 @@
           <a:p>
             <a:fld id="{E5B94112-40F8-46F1-9938-B2754288A1D5}" type="datetimeFigureOut">
               <a:rPr lang="en-NZ" smtClean="0"/>
-              <a:t>20/03/2017</a:t>
+              <a:t>23/03/2017</a:t>
             </a:fld>
             <a:endParaRPr lang="en-NZ"/>
           </a:p>
@@ -2099,7 +2100,7 @@
           <a:p>
             <a:fld id="{E5B94112-40F8-46F1-9938-B2754288A1D5}" type="datetimeFigureOut">
               <a:rPr lang="en-NZ" smtClean="0"/>
-              <a:t>20/03/2017</a:t>
+              <a:t>23/03/2017</a:t>
             </a:fld>
             <a:endParaRPr lang="en-NZ"/>
           </a:p>
@@ -2352,7 +2353,7 @@
           <a:p>
             <a:fld id="{E5B94112-40F8-46F1-9938-B2754288A1D5}" type="datetimeFigureOut">
               <a:rPr lang="en-NZ" smtClean="0"/>
-              <a:t>20/03/2017</a:t>
+              <a:t>23/03/2017</a:t>
             </a:fld>
             <a:endParaRPr lang="en-NZ"/>
           </a:p>
@@ -2565,7 +2566,7 @@
           <a:p>
             <a:fld id="{E5B94112-40F8-46F1-9938-B2754288A1D5}" type="datetimeFigureOut">
               <a:rPr lang="en-NZ" smtClean="0"/>
-              <a:t>20/03/2017</a:t>
+              <a:t>23/03/2017</a:t>
             </a:fld>
             <a:endParaRPr lang="en-NZ"/>
           </a:p>
@@ -4997,7 +4998,6 @@
               <a:rPr lang="en-NZ" dirty="0"/>
               <a:t>Zoom In and Out of the Map</a:t>
             </a:r>
-            <a:endParaRPr lang="en-NZ" dirty="0"/>
           </a:p>
         </p:txBody>
       </p:sp>
@@ -5183,6 +5183,148 @@
     <p:extLst>
       <p:ext uri="{BB962C8B-B14F-4D97-AF65-F5344CB8AC3E}">
         <p14:creationId xmlns:p14="http://schemas.microsoft.com/office/powerpoint/2010/main" val="1908398647"/>
+      </p:ext>
+    </p:extLst>
+  </p:cSld>
+  <p:clrMapOvr>
+    <a:masterClrMapping/>
+  </p:clrMapOvr>
+</p:sld>
+</file>
+
+<file path=ppt/slides/slide3.xml><?xml version="1.0" encoding="utf-8"?>
+<p:sld xmlns:a="http://schemas.openxmlformats.org/drawingml/2006/main" xmlns:r="http://schemas.openxmlformats.org/officeDocument/2006/relationships" xmlns:p="http://schemas.openxmlformats.org/presentationml/2006/main">
+  <p:cSld>
+    <p:spTree>
+      <p:nvGrpSpPr>
+        <p:cNvPr id="1" name=""/>
+        <p:cNvGrpSpPr/>
+        <p:nvPr/>
+      </p:nvGrpSpPr>
+      <p:grpSpPr>
+        <a:xfrm>
+          <a:off x="0" y="0"/>
+          <a:ext cx="0" cy="0"/>
+          <a:chOff x="0" y="0"/>
+          <a:chExt cx="0" cy="0"/>
+        </a:xfrm>
+      </p:grpSpPr>
+      <p:grpSp>
+        <p:nvGrpSpPr>
+          <p:cNvPr id="10" name="Group 9"/>
+          <p:cNvGrpSpPr/>
+          <p:nvPr/>
+        </p:nvGrpSpPr>
+        <p:grpSpPr>
+          <a:xfrm>
+            <a:off x="550506" y="503853"/>
+            <a:ext cx="10739535" cy="3928188"/>
+            <a:chOff x="550506" y="503853"/>
+            <a:chExt cx="10739535" cy="3928188"/>
+          </a:xfrm>
+        </p:grpSpPr>
+        <p:sp>
+          <p:nvSpPr>
+            <p:cNvPr id="4" name="Rectangle 3"/>
+            <p:cNvSpPr/>
+            <p:nvPr/>
+          </p:nvSpPr>
+          <p:spPr>
+            <a:xfrm>
+              <a:off x="550506" y="503853"/>
+              <a:ext cx="10711543" cy="3928188"/>
+            </a:xfrm>
+            <a:prstGeom prst="rect">
+              <a:avLst/>
+            </a:prstGeom>
+          </p:spPr>
+          <p:style>
+            <a:lnRef idx="2">
+              <a:schemeClr val="dk1"/>
+            </a:lnRef>
+            <a:fillRef idx="1">
+              <a:schemeClr val="lt1"/>
+            </a:fillRef>
+            <a:effectRef idx="0">
+              <a:schemeClr val="dk1"/>
+            </a:effectRef>
+            <a:fontRef idx="minor">
+              <a:schemeClr val="dk1"/>
+            </a:fontRef>
+          </p:style>
+          <p:txBody>
+            <a:bodyPr rtlCol="0" anchor="ctr"/>
+            <a:lstStyle/>
+            <a:p>
+              <a:pPr algn="ctr"/>
+              <a:endParaRPr lang="en-NZ"/>
+            </a:p>
+          </p:txBody>
+        </p:sp>
+        <p:cxnSp>
+          <p:nvCxnSpPr>
+            <p:cNvPr id="9" name="Straight Connector 8"/>
+            <p:cNvCxnSpPr/>
+            <p:nvPr/>
+          </p:nvCxnSpPr>
+          <p:spPr>
+            <a:xfrm>
+              <a:off x="550506" y="849086"/>
+              <a:ext cx="10739535" cy="0"/>
+            </a:xfrm>
+            <a:prstGeom prst="line">
+              <a:avLst/>
+            </a:prstGeom>
+          </p:spPr>
+          <p:style>
+            <a:lnRef idx="1">
+              <a:schemeClr val="dk1"/>
+            </a:lnRef>
+            <a:fillRef idx="0">
+              <a:schemeClr val="dk1"/>
+            </a:fillRef>
+            <a:effectRef idx="0">
+              <a:schemeClr val="dk1"/>
+            </a:effectRef>
+            <a:fontRef idx="minor">
+              <a:schemeClr val="tx1"/>
+            </a:fontRef>
+          </p:style>
+        </p:cxnSp>
+      </p:grpSp>
+      <p:sp>
+        <p:nvSpPr>
+          <p:cNvPr id="2" name="TextBox 1"/>
+          <p:cNvSpPr txBox="1"/>
+          <p:nvPr/>
+        </p:nvSpPr>
+        <p:spPr>
+          <a:xfrm>
+            <a:off x="550506" y="503853"/>
+            <a:ext cx="3722914" cy="369332"/>
+          </a:xfrm>
+          <a:prstGeom prst="rect">
+            <a:avLst/>
+          </a:prstGeom>
+          <a:noFill/>
+        </p:spPr>
+        <p:txBody>
+          <a:bodyPr wrap="square" rtlCol="0">
+            <a:spAutoFit/>
+          </a:bodyPr>
+          <a:lstStyle/>
+          <a:p>
+            <a:r>
+              <a:rPr lang="en-NZ" dirty="0"/>
+              <a:t>Bus Stop Map Subsystem</a:t>
+            </a:r>
+          </a:p>
+        </p:txBody>
+      </p:sp>
+    </p:spTree>
+    <p:extLst>
+      <p:ext uri="{BB962C8B-B14F-4D97-AF65-F5344CB8AC3E}">
+        <p14:creationId xmlns:p14="http://schemas.microsoft.com/office/powerpoint/2010/main" val="3621139051"/>
       </p:ext>
     </p:extLst>
   </p:cSld>

--- a/Assignment1_STN.pptx
+++ b/Assignment1_STN.pptx
@@ -7,7 +7,6 @@
   <p:sldIdLst>
     <p:sldId id="256" r:id="rId2"/>
     <p:sldId id="257" r:id="rId3"/>
-    <p:sldId id="258" r:id="rId4"/>
   </p:sldIdLst>
   <p:sldSz cx="12192000" cy="6858000"/>
   <p:notesSz cx="6858000" cy="9144000"/>
@@ -245,7 +244,7 @@
           <a:p>
             <a:fld id="{E5B94112-40F8-46F1-9938-B2754288A1D5}" type="datetimeFigureOut">
               <a:rPr lang="en-NZ" smtClean="0"/>
-              <a:t>23/03/2017</a:t>
+              <a:t>24/03/2017</a:t>
             </a:fld>
             <a:endParaRPr lang="en-NZ"/>
           </a:p>
@@ -415,7 +414,7 @@
           <a:p>
             <a:fld id="{E5B94112-40F8-46F1-9938-B2754288A1D5}" type="datetimeFigureOut">
               <a:rPr lang="en-NZ" smtClean="0"/>
-              <a:t>23/03/2017</a:t>
+              <a:t>24/03/2017</a:t>
             </a:fld>
             <a:endParaRPr lang="en-NZ"/>
           </a:p>
@@ -595,7 +594,7 @@
           <a:p>
             <a:fld id="{E5B94112-40F8-46F1-9938-B2754288A1D5}" type="datetimeFigureOut">
               <a:rPr lang="en-NZ" smtClean="0"/>
-              <a:t>23/03/2017</a:t>
+              <a:t>24/03/2017</a:t>
             </a:fld>
             <a:endParaRPr lang="en-NZ"/>
           </a:p>
@@ -765,7 +764,7 @@
           <a:p>
             <a:fld id="{E5B94112-40F8-46F1-9938-B2754288A1D5}" type="datetimeFigureOut">
               <a:rPr lang="en-NZ" smtClean="0"/>
-              <a:t>23/03/2017</a:t>
+              <a:t>24/03/2017</a:t>
             </a:fld>
             <a:endParaRPr lang="en-NZ"/>
           </a:p>
@@ -1011,7 +1010,7 @@
           <a:p>
             <a:fld id="{E5B94112-40F8-46F1-9938-B2754288A1D5}" type="datetimeFigureOut">
               <a:rPr lang="en-NZ" smtClean="0"/>
-              <a:t>23/03/2017</a:t>
+              <a:t>24/03/2017</a:t>
             </a:fld>
             <a:endParaRPr lang="en-NZ"/>
           </a:p>
@@ -1243,7 +1242,7 @@
           <a:p>
             <a:fld id="{E5B94112-40F8-46F1-9938-B2754288A1D5}" type="datetimeFigureOut">
               <a:rPr lang="en-NZ" smtClean="0"/>
-              <a:t>23/03/2017</a:t>
+              <a:t>24/03/2017</a:t>
             </a:fld>
             <a:endParaRPr lang="en-NZ"/>
           </a:p>
@@ -1610,7 +1609,7 @@
           <a:p>
             <a:fld id="{E5B94112-40F8-46F1-9938-B2754288A1D5}" type="datetimeFigureOut">
               <a:rPr lang="en-NZ" smtClean="0"/>
-              <a:t>23/03/2017</a:t>
+              <a:t>24/03/2017</a:t>
             </a:fld>
             <a:endParaRPr lang="en-NZ"/>
           </a:p>
@@ -1728,7 +1727,7 @@
           <a:p>
             <a:fld id="{E5B94112-40F8-46F1-9938-B2754288A1D5}" type="datetimeFigureOut">
               <a:rPr lang="en-NZ" smtClean="0"/>
-              <a:t>23/03/2017</a:t>
+              <a:t>24/03/2017</a:t>
             </a:fld>
             <a:endParaRPr lang="en-NZ"/>
           </a:p>
@@ -1823,7 +1822,7 @@
           <a:p>
             <a:fld id="{E5B94112-40F8-46F1-9938-B2754288A1D5}" type="datetimeFigureOut">
               <a:rPr lang="en-NZ" smtClean="0"/>
-              <a:t>23/03/2017</a:t>
+              <a:t>24/03/2017</a:t>
             </a:fld>
             <a:endParaRPr lang="en-NZ"/>
           </a:p>
@@ -2100,7 +2099,7 @@
           <a:p>
             <a:fld id="{E5B94112-40F8-46F1-9938-B2754288A1D5}" type="datetimeFigureOut">
               <a:rPr lang="en-NZ" smtClean="0"/>
-              <a:t>23/03/2017</a:t>
+              <a:t>24/03/2017</a:t>
             </a:fld>
             <a:endParaRPr lang="en-NZ"/>
           </a:p>
@@ -2353,7 +2352,7 @@
           <a:p>
             <a:fld id="{E5B94112-40F8-46F1-9938-B2754288A1D5}" type="datetimeFigureOut">
               <a:rPr lang="en-NZ" smtClean="0"/>
-              <a:t>23/03/2017</a:t>
+              <a:t>24/03/2017</a:t>
             </a:fld>
             <a:endParaRPr lang="en-NZ"/>
           </a:p>
@@ -2566,7 +2565,7 @@
           <a:p>
             <a:fld id="{E5B94112-40F8-46F1-9938-B2754288A1D5}" type="datetimeFigureOut">
               <a:rPr lang="en-NZ" smtClean="0"/>
-              <a:t>23/03/2017</a:t>
+              <a:t>24/03/2017</a:t>
             </a:fld>
             <a:endParaRPr lang="en-NZ"/>
           </a:p>
@@ -3629,6 +3628,35 @@
           </a:p>
         </p:txBody>
       </p:sp>
+      <p:sp>
+        <p:nvSpPr>
+          <p:cNvPr id="2" name="TextBox 1"/>
+          <p:cNvSpPr txBox="1"/>
+          <p:nvPr/>
+        </p:nvSpPr>
+        <p:spPr>
+          <a:xfrm>
+            <a:off x="10508601" y="6176865"/>
+            <a:ext cx="2118049" cy="369332"/>
+          </a:xfrm>
+          <a:prstGeom prst="rect">
+            <a:avLst/>
+          </a:prstGeom>
+          <a:noFill/>
+        </p:spPr>
+        <p:txBody>
+          <a:bodyPr wrap="square" rtlCol="0">
+            <a:spAutoFit/>
+          </a:bodyPr>
+          <a:lstStyle/>
+          <a:p>
+            <a:r>
+              <a:rPr lang="en-NZ" dirty="0"/>
+              <a:t>Main System</a:t>
+            </a:r>
+          </a:p>
+        </p:txBody>
+      </p:sp>
     </p:spTree>
     <p:extLst>
       <p:ext uri="{BB962C8B-B14F-4D97-AF65-F5344CB8AC3E}">
@@ -3731,7 +3759,19 @@
               <a:lstStyle/>
               <a:p>
                 <a:pPr algn="ctr"/>
-                <a:endParaRPr lang="en-NZ"/>
+                <a:endParaRPr lang="en-NZ">
+                  <a:ln w="0"/>
+                  <a:solidFill>
+                    <a:schemeClr val="tx1"/>
+                  </a:solidFill>
+                  <a:effectLst>
+                    <a:outerShdw blurRad="38100" dist="19050" dir="2700000" algn="tl" rotWithShape="0">
+                      <a:schemeClr val="dk1">
+                        <a:alpha val="40000"/>
+                      </a:schemeClr>
+                    </a:outerShdw>
+                  </a:effectLst>
+                </a:endParaRPr>
               </a:p>
             </p:txBody>
           </p:sp>
@@ -3780,7 +3820,7 @@
           <p:spPr>
             <a:xfrm>
               <a:off x="643812" y="541176"/>
-              <a:ext cx="2752531" cy="369332"/>
+              <a:ext cx="2752531" cy="379463"/>
             </a:xfrm>
             <a:prstGeom prst="rect">
               <a:avLst/>
@@ -3797,7 +3837,16 @@
             <a:lstStyle/>
             <a:p>
               <a:r>
-                <a:rPr lang="en-NZ" dirty="0"/>
+                <a:rPr lang="en-NZ" dirty="0">
+                  <a:ln w="0"/>
+                  <a:effectLst>
+                    <a:outerShdw blurRad="38100" dist="19050" dir="2700000" algn="tl" rotWithShape="0">
+                      <a:schemeClr val="dk1">
+                        <a:alpha val="40000"/>
+                      </a:schemeClr>
+                    </a:outerShdw>
+                  </a:effectLst>
+                </a:rPr>
                 <a:t>Find a Stop Subsystem</a:t>
               </a:r>
             </a:p>
@@ -3850,9 +3899,17 @@
             <a:pPr algn="ctr"/>
             <a:r>
               <a:rPr lang="en-NZ" dirty="0">
+                <a:ln w="0"/>
                 <a:solidFill>
                   <a:schemeClr val="tx1"/>
                 </a:solidFill>
+                <a:effectLst>
+                  <a:outerShdw blurRad="38100" dist="19050" dir="2700000" algn="tl" rotWithShape="0">
+                    <a:schemeClr val="dk1">
+                      <a:alpha val="40000"/>
+                    </a:schemeClr>
+                  </a:outerShdw>
+                </a:effectLst>
               </a:rPr>
               <a:t>Show The Map</a:t>
             </a:r>
@@ -3943,9 +4000,17 @@
             <a:pPr algn="ctr"/>
             <a:r>
               <a:rPr lang="en-NZ" dirty="0">
+                <a:ln w="0"/>
                 <a:solidFill>
                   <a:schemeClr val="tx1"/>
                 </a:solidFill>
+                <a:effectLst>
+                  <a:outerShdw blurRad="38100" dist="19050" dir="2700000" algn="tl" rotWithShape="0">
+                    <a:schemeClr val="dk1">
+                      <a:alpha val="40000"/>
+                    </a:schemeClr>
+                  </a:outerShdw>
+                </a:effectLst>
               </a:rPr>
               <a:t>Suggest Bus Stops</a:t>
             </a:r>
@@ -4054,7 +4119,16 @@
           <a:lstStyle/>
           <a:p>
             <a:r>
-              <a:rPr lang="en-NZ" dirty="0"/>
+              <a:rPr lang="en-NZ" dirty="0">
+                <a:ln w="0"/>
+                <a:effectLst>
+                  <a:outerShdw blurRad="38100" dist="19050" dir="2700000" algn="tl" rotWithShape="0">
+                    <a:schemeClr val="dk1">
+                      <a:alpha val="40000"/>
+                    </a:schemeClr>
+                  </a:outerShdw>
+                </a:effectLst>
+              </a:rPr>
               <a:t>Type in the address or stop number</a:t>
             </a:r>
           </a:p>
@@ -4088,7 +4162,16 @@
           <a:lstStyle/>
           <a:p>
             <a:r>
-              <a:rPr lang="en-NZ" dirty="0"/>
+              <a:rPr lang="en-NZ" dirty="0">
+                <a:ln w="0"/>
+                <a:effectLst>
+                  <a:outerShdw blurRad="38100" dist="19050" dir="2700000" algn="tl" rotWithShape="0">
+                    <a:schemeClr val="dk1">
+                      <a:alpha val="40000"/>
+                    </a:schemeClr>
+                  </a:outerShdw>
+                </a:effectLst>
+              </a:rPr>
               <a:t>Tap on the GPS Icon (and enlarge the map)</a:t>
             </a:r>
           </a:p>
@@ -4158,7 +4241,16 @@
           <a:lstStyle/>
           <a:p>
             <a:r>
-              <a:rPr lang="en-NZ" dirty="0"/>
+              <a:rPr lang="en-NZ" dirty="0">
+                <a:ln w="0"/>
+                <a:effectLst>
+                  <a:outerShdw blurRad="38100" dist="19050" dir="2700000" algn="tl" rotWithShape="0">
+                    <a:schemeClr val="dk1">
+                      <a:alpha val="40000"/>
+                    </a:schemeClr>
+                  </a:outerShdw>
+                </a:effectLst>
+              </a:rPr>
               <a:t>Select the Stop and Tap on the Forward Icon</a:t>
             </a:r>
           </a:p>
@@ -4210,9 +4302,17 @@
             <a:pPr algn="ctr"/>
             <a:r>
               <a:rPr lang="en-NZ" dirty="0">
+                <a:ln w="0"/>
                 <a:solidFill>
                   <a:schemeClr val="tx1"/>
                 </a:solidFill>
+                <a:effectLst>
+                  <a:outerShdw blurRad="38100" dist="19050" dir="2700000" algn="tl" rotWithShape="0">
+                    <a:schemeClr val="dk1">
+                      <a:alpha val="40000"/>
+                    </a:schemeClr>
+                  </a:outerShdw>
+                </a:effectLst>
               </a:rPr>
               <a:t>Edit Stop Subsystem</a:t>
             </a:r>
@@ -4281,7 +4381,16 @@
           <a:lstStyle/>
           <a:p>
             <a:r>
-              <a:rPr lang="en-NZ" dirty="0"/>
+              <a:rPr lang="en-NZ" dirty="0">
+                <a:ln w="0"/>
+                <a:effectLst>
+                  <a:outerShdw blurRad="38100" dist="19050" dir="2700000" algn="tl" rotWithShape="0">
+                    <a:schemeClr val="dk1">
+                      <a:alpha val="40000"/>
+                    </a:schemeClr>
+                  </a:outerShdw>
+                </a:effectLst>
+              </a:rPr>
               <a:t>Tap on the Back Icon</a:t>
             </a:r>
           </a:p>
@@ -4359,7 +4468,19 @@
               <a:lstStyle/>
               <a:p>
                 <a:pPr algn="ctr"/>
-                <a:endParaRPr lang="en-NZ"/>
+                <a:endParaRPr lang="en-NZ">
+                  <a:ln w="0"/>
+                  <a:solidFill>
+                    <a:schemeClr val="tx1"/>
+                  </a:solidFill>
+                  <a:effectLst>
+                    <a:outerShdw blurRad="38100" dist="19050" dir="2700000" algn="tl" rotWithShape="0">
+                      <a:schemeClr val="dk1">
+                        <a:alpha val="40000"/>
+                      </a:schemeClr>
+                    </a:outerShdw>
+                  </a:effectLst>
+                </a:endParaRPr>
               </a:p>
             </p:txBody>
           </p:sp>
@@ -4425,12 +4546,30 @@
             <a:lstStyle/>
             <a:p>
               <a:r>
-                <a:rPr lang="en-NZ" dirty="0"/>
+                <a:rPr lang="en-NZ" dirty="0">
+                  <a:ln w="0"/>
+                  <a:effectLst>
+                    <a:outerShdw blurRad="38100" dist="19050" dir="2700000" algn="tl" rotWithShape="0">
+                      <a:schemeClr val="dk1">
+                        <a:alpha val="40000"/>
+                      </a:schemeClr>
+                    </a:outerShdw>
+                  </a:effectLst>
+                </a:rPr>
                 <a:t>Edit Stop Subsystem</a:t>
               </a:r>
             </a:p>
             <a:p>
-              <a:endParaRPr lang="en-NZ" dirty="0"/>
+              <a:endParaRPr lang="en-NZ" dirty="0">
+                <a:ln w="0"/>
+                <a:effectLst>
+                  <a:outerShdw blurRad="38100" dist="19050" dir="2700000" algn="tl" rotWithShape="0">
+                    <a:schemeClr val="dk1">
+                      <a:alpha val="40000"/>
+                    </a:schemeClr>
+                  </a:outerShdw>
+                </a:effectLst>
+              </a:endParaRPr>
             </a:p>
           </p:txBody>
         </p:sp>
@@ -4519,9 +4658,17 @@
             <a:pPr algn="ctr"/>
             <a:r>
               <a:rPr lang="en-NZ" dirty="0">
+                <a:ln w="0"/>
                 <a:solidFill>
                   <a:schemeClr val="tx1"/>
                 </a:solidFill>
+                <a:effectLst>
+                  <a:outerShdw blurRad="38100" dist="19050" dir="2700000" algn="tl" rotWithShape="0">
+                    <a:schemeClr val="dk1">
+                      <a:alpha val="40000"/>
+                    </a:schemeClr>
+                  </a:outerShdw>
+                </a:effectLst>
               </a:rPr>
               <a:t>Show the Stop and Routes</a:t>
             </a:r>
@@ -4612,9 +4759,17 @@
             <a:pPr algn="ctr"/>
             <a:r>
               <a:rPr lang="en-NZ" dirty="0">
+                <a:ln w="0"/>
                 <a:solidFill>
                   <a:schemeClr val="tx1"/>
                 </a:solidFill>
+                <a:effectLst>
+                  <a:outerShdw blurRad="38100" dist="19050" dir="2700000" algn="tl" rotWithShape="0">
+                    <a:schemeClr val="dk1">
+                      <a:alpha val="40000"/>
+                    </a:schemeClr>
+                  </a:outerShdw>
+                </a:effectLst>
               </a:rPr>
               <a:t>Customised Name Stored</a:t>
             </a:r>
@@ -4683,12 +4838,30 @@
           <a:lstStyle/>
           <a:p>
             <a:r>
-              <a:rPr lang="en-NZ" dirty="0"/>
+              <a:rPr lang="en-NZ" dirty="0">
+                <a:ln w="0"/>
+                <a:effectLst>
+                  <a:outerShdw blurRad="38100" dist="19050" dir="2700000" algn="tl" rotWithShape="0">
+                    <a:schemeClr val="dk1">
+                      <a:alpha val="40000"/>
+                    </a:schemeClr>
+                  </a:outerShdw>
+                </a:effectLst>
+              </a:rPr>
               <a:t>Type in a Customised Name</a:t>
             </a:r>
           </a:p>
           <a:p>
-            <a:endParaRPr lang="en-NZ" dirty="0"/>
+            <a:endParaRPr lang="en-NZ" dirty="0">
+              <a:ln w="0"/>
+              <a:effectLst>
+                <a:outerShdw blurRad="38100" dist="19050" dir="2700000" algn="tl" rotWithShape="0">
+                  <a:schemeClr val="dk1">
+                    <a:alpha val="40000"/>
+                  </a:schemeClr>
+                </a:outerShdw>
+              </a:effectLst>
+            </a:endParaRPr>
           </a:p>
         </p:txBody>
       </p:sp>
@@ -4738,9 +4911,17 @@
             <a:pPr algn="ctr"/>
             <a:r>
               <a:rPr lang="en-NZ" dirty="0">
+                <a:ln w="0"/>
                 <a:solidFill>
                   <a:schemeClr val="tx1"/>
                 </a:solidFill>
+                <a:effectLst>
+                  <a:outerShdw blurRad="38100" dist="19050" dir="2700000" algn="tl" rotWithShape="0">
+                    <a:schemeClr val="dk1">
+                      <a:alpha val="40000"/>
+                    </a:schemeClr>
+                  </a:outerShdw>
+                </a:effectLst>
               </a:rPr>
               <a:t>The Bus Routes Selected Added</a:t>
             </a:r>
@@ -4795,8 +4976,8 @@
         </p:nvSpPr>
         <p:spPr>
           <a:xfrm>
-            <a:off x="5451440" y="4070494"/>
-            <a:ext cx="1754095" cy="646331"/>
+            <a:off x="3602954" y="5703808"/>
+            <a:ext cx="2999023" cy="369332"/>
           </a:xfrm>
           <a:prstGeom prst="rect">
             <a:avLst/>
@@ -4813,7 +4994,16 @@
           <a:lstStyle/>
           <a:p>
             <a:r>
-              <a:rPr lang="en-NZ" dirty="0"/>
+              <a:rPr lang="en-NZ" dirty="0">
+                <a:ln w="0"/>
+                <a:effectLst>
+                  <a:outerShdw blurRad="38100" dist="19050" dir="2700000" algn="tl" rotWithShape="0">
+                    <a:schemeClr val="dk1">
+                      <a:alpha val="40000"/>
+                    </a:schemeClr>
+                  </a:outerShdw>
+                </a:effectLst>
+              </a:rPr>
               <a:t>Tick to Add Bus Routes</a:t>
             </a:r>
           </a:p>
@@ -4886,7 +5076,16 @@
           <a:lstStyle/>
           <a:p>
             <a:r>
-              <a:rPr lang="en-NZ" dirty="0"/>
+              <a:rPr lang="en-NZ" dirty="0">
+                <a:ln w="0"/>
+                <a:effectLst>
+                  <a:outerShdw blurRad="38100" dist="19050" dir="2700000" algn="tl" rotWithShape="0">
+                    <a:schemeClr val="dk1">
+                      <a:alpha val="40000"/>
+                    </a:schemeClr>
+                  </a:outerShdw>
+                </a:effectLst>
+              </a:rPr>
               <a:t>(Without Adding a Customised Name)</a:t>
             </a:r>
           </a:p>
@@ -4995,7 +5194,16 @@
           <a:lstStyle/>
           <a:p>
             <a:r>
-              <a:rPr lang="en-NZ" dirty="0"/>
+              <a:rPr lang="en-NZ" dirty="0">
+                <a:ln w="0"/>
+                <a:effectLst>
+                  <a:outerShdw blurRad="38100" dist="19050" dir="2700000" algn="tl" rotWithShape="0">
+                    <a:schemeClr val="dk1">
+                      <a:alpha val="40000"/>
+                    </a:schemeClr>
+                  </a:outerShdw>
+                </a:effectLst>
+              </a:rPr>
               <a:t>Zoom In and Out of the Map</a:t>
             </a:r>
           </a:p>
@@ -5024,7 +5232,16 @@
           <a:lstStyle/>
           <a:p>
             <a:r>
-              <a:rPr lang="en-NZ" dirty="0"/>
+              <a:rPr lang="en-NZ" dirty="0">
+                <a:ln w="0"/>
+                <a:effectLst>
+                  <a:outerShdw blurRad="38100" dist="19050" dir="2700000" algn="tl" rotWithShape="0">
+                    <a:schemeClr val="dk1">
+                      <a:alpha val="40000"/>
+                    </a:schemeClr>
+                  </a:outerShdw>
+                </a:effectLst>
+              </a:rPr>
               <a:t>(Go Back to Main Screen)</a:t>
             </a:r>
           </a:p>
@@ -5053,7 +5270,16 @@
           <a:lstStyle/>
           <a:p>
             <a:r>
-              <a:rPr lang="en-NZ" dirty="0"/>
+              <a:rPr lang="en-NZ" dirty="0">
+                <a:ln w="0"/>
+                <a:effectLst>
+                  <a:outerShdw blurRad="38100" dist="19050" dir="2700000" algn="tl" rotWithShape="0">
+                    <a:schemeClr val="dk1">
+                      <a:alpha val="40000"/>
+                    </a:schemeClr>
+                  </a:outerShdw>
+                </a:effectLst>
+              </a:rPr>
               <a:t>Tape on the Save Icon</a:t>
             </a:r>
           </a:p>
@@ -5081,7 +5307,16 @@
           <a:lstStyle/>
           <a:p>
             <a:r>
-              <a:rPr lang="en-NZ" dirty="0"/>
+              <a:rPr lang="en-NZ" dirty="0">
+                <a:ln w="0"/>
+                <a:effectLst>
+                  <a:outerShdw blurRad="38100" dist="19050" dir="2700000" algn="tl" rotWithShape="0">
+                    <a:schemeClr val="dk1">
+                      <a:alpha val="40000"/>
+                    </a:schemeClr>
+                  </a:outerShdw>
+                </a:effectLst>
+              </a:rPr>
               <a:t>(Go Back to Main Screen)</a:t>
             </a:r>
           </a:p>
@@ -5109,7 +5344,16 @@
           <a:lstStyle/>
           <a:p>
             <a:r>
-              <a:rPr lang="en-NZ" dirty="0"/>
+              <a:rPr lang="en-NZ" dirty="0">
+                <a:ln w="0"/>
+                <a:effectLst>
+                  <a:outerShdw blurRad="38100" dist="19050" dir="2700000" algn="tl" rotWithShape="0">
+                    <a:schemeClr val="dk1">
+                      <a:alpha val="40000"/>
+                    </a:schemeClr>
+                  </a:outerShdw>
+                </a:effectLst>
+              </a:rPr>
               <a:t>Tap on the Back Icon</a:t>
             </a:r>
           </a:p>
@@ -5173,8 +5417,58 @@
           <a:lstStyle/>
           <a:p>
             <a:r>
-              <a:rPr lang="en-NZ" dirty="0"/>
+              <a:rPr lang="en-NZ" dirty="0">
+                <a:ln w="0"/>
+                <a:effectLst>
+                  <a:outerShdw blurRad="38100" dist="19050" dir="2700000" algn="tl" rotWithShape="0">
+                    <a:schemeClr val="dk1">
+                      <a:alpha val="40000"/>
+                    </a:schemeClr>
+                  </a:outerShdw>
+                </a:effectLst>
+              </a:rPr>
               <a:t>(Go Back to the Previous State)</a:t>
+            </a:r>
+          </a:p>
+        </p:txBody>
+      </p:sp>
+      <p:sp>
+        <p:nvSpPr>
+          <p:cNvPr id="45" name="TextBox 44"/>
+          <p:cNvSpPr txBox="1"/>
+          <p:nvPr/>
+        </p:nvSpPr>
+        <p:spPr>
+          <a:xfrm>
+            <a:off x="5603840" y="4222894"/>
+            <a:ext cx="1754095" cy="646331"/>
+          </a:xfrm>
+          <a:prstGeom prst="rect">
+            <a:avLst/>
+          </a:prstGeom>
+          <a:noFill/>
+          <a:ln>
+            <a:noFill/>
+          </a:ln>
+        </p:spPr>
+        <p:txBody>
+          <a:bodyPr wrap="square" rtlCol="0">
+            <a:spAutoFit/>
+          </a:bodyPr>
+          <a:lstStyle/>
+          <a:p>
+            <a:r>
+              <a:rPr lang="en-NZ" dirty="0">
+                <a:ln w="0"/>
+                <a:effectLst>
+                  <a:outerShdw blurRad="38100" dist="19050" dir="2700000" algn="tl" rotWithShape="0">
+                    <a:schemeClr val="dk1">
+                      <a:alpha val="40000"/>
+                    </a:schemeClr>
+                  </a:outerShdw>
+                </a:effectLst>
+              </a:rPr>
+              <a:t>Tick to Add Bus Routes</a:t>
             </a:r>
           </a:p>
         </p:txBody>
@@ -5183,148 +5477,6 @@
     <p:extLst>
       <p:ext uri="{BB962C8B-B14F-4D97-AF65-F5344CB8AC3E}">
         <p14:creationId xmlns:p14="http://schemas.microsoft.com/office/powerpoint/2010/main" val="1908398647"/>
-      </p:ext>
-    </p:extLst>
-  </p:cSld>
-  <p:clrMapOvr>
-    <a:masterClrMapping/>
-  </p:clrMapOvr>
-</p:sld>
-</file>
-
-<file path=ppt/slides/slide3.xml><?xml version="1.0" encoding="utf-8"?>
-<p:sld xmlns:a="http://schemas.openxmlformats.org/drawingml/2006/main" xmlns:r="http://schemas.openxmlformats.org/officeDocument/2006/relationships" xmlns:p="http://schemas.openxmlformats.org/presentationml/2006/main">
-  <p:cSld>
-    <p:spTree>
-      <p:nvGrpSpPr>
-        <p:cNvPr id="1" name=""/>
-        <p:cNvGrpSpPr/>
-        <p:nvPr/>
-      </p:nvGrpSpPr>
-      <p:grpSpPr>
-        <a:xfrm>
-          <a:off x="0" y="0"/>
-          <a:ext cx="0" cy="0"/>
-          <a:chOff x="0" y="0"/>
-          <a:chExt cx="0" cy="0"/>
-        </a:xfrm>
-      </p:grpSpPr>
-      <p:grpSp>
-        <p:nvGrpSpPr>
-          <p:cNvPr id="10" name="Group 9"/>
-          <p:cNvGrpSpPr/>
-          <p:nvPr/>
-        </p:nvGrpSpPr>
-        <p:grpSpPr>
-          <a:xfrm>
-            <a:off x="550506" y="503853"/>
-            <a:ext cx="10739535" cy="3928188"/>
-            <a:chOff x="550506" y="503853"/>
-            <a:chExt cx="10739535" cy="3928188"/>
-          </a:xfrm>
-        </p:grpSpPr>
-        <p:sp>
-          <p:nvSpPr>
-            <p:cNvPr id="4" name="Rectangle 3"/>
-            <p:cNvSpPr/>
-            <p:nvPr/>
-          </p:nvSpPr>
-          <p:spPr>
-            <a:xfrm>
-              <a:off x="550506" y="503853"/>
-              <a:ext cx="10711543" cy="3928188"/>
-            </a:xfrm>
-            <a:prstGeom prst="rect">
-              <a:avLst/>
-            </a:prstGeom>
-          </p:spPr>
-          <p:style>
-            <a:lnRef idx="2">
-              <a:schemeClr val="dk1"/>
-            </a:lnRef>
-            <a:fillRef idx="1">
-              <a:schemeClr val="lt1"/>
-            </a:fillRef>
-            <a:effectRef idx="0">
-              <a:schemeClr val="dk1"/>
-            </a:effectRef>
-            <a:fontRef idx="minor">
-              <a:schemeClr val="dk1"/>
-            </a:fontRef>
-          </p:style>
-          <p:txBody>
-            <a:bodyPr rtlCol="0" anchor="ctr"/>
-            <a:lstStyle/>
-            <a:p>
-              <a:pPr algn="ctr"/>
-              <a:endParaRPr lang="en-NZ"/>
-            </a:p>
-          </p:txBody>
-        </p:sp>
-        <p:cxnSp>
-          <p:nvCxnSpPr>
-            <p:cNvPr id="9" name="Straight Connector 8"/>
-            <p:cNvCxnSpPr/>
-            <p:nvPr/>
-          </p:nvCxnSpPr>
-          <p:spPr>
-            <a:xfrm>
-              <a:off x="550506" y="849086"/>
-              <a:ext cx="10739535" cy="0"/>
-            </a:xfrm>
-            <a:prstGeom prst="line">
-              <a:avLst/>
-            </a:prstGeom>
-          </p:spPr>
-          <p:style>
-            <a:lnRef idx="1">
-              <a:schemeClr val="dk1"/>
-            </a:lnRef>
-            <a:fillRef idx="0">
-              <a:schemeClr val="dk1"/>
-            </a:fillRef>
-            <a:effectRef idx="0">
-              <a:schemeClr val="dk1"/>
-            </a:effectRef>
-            <a:fontRef idx="minor">
-              <a:schemeClr val="tx1"/>
-            </a:fontRef>
-          </p:style>
-        </p:cxnSp>
-      </p:grpSp>
-      <p:sp>
-        <p:nvSpPr>
-          <p:cNvPr id="2" name="TextBox 1"/>
-          <p:cNvSpPr txBox="1"/>
-          <p:nvPr/>
-        </p:nvSpPr>
-        <p:spPr>
-          <a:xfrm>
-            <a:off x="550506" y="503853"/>
-            <a:ext cx="3722914" cy="369332"/>
-          </a:xfrm>
-          <a:prstGeom prst="rect">
-            <a:avLst/>
-          </a:prstGeom>
-          <a:noFill/>
-        </p:spPr>
-        <p:txBody>
-          <a:bodyPr wrap="square" rtlCol="0">
-            <a:spAutoFit/>
-          </a:bodyPr>
-          <a:lstStyle/>
-          <a:p>
-            <a:r>
-              <a:rPr lang="en-NZ" dirty="0"/>
-              <a:t>Bus Stop Map Subsystem</a:t>
-            </a:r>
-          </a:p>
-        </p:txBody>
-      </p:sp>
-    </p:spTree>
-    <p:extLst>
-      <p:ext uri="{BB962C8B-B14F-4D97-AF65-F5344CB8AC3E}">
-        <p14:creationId xmlns:p14="http://schemas.microsoft.com/office/powerpoint/2010/main" val="3621139051"/>
       </p:ext>
     </p:extLst>
   </p:cSld>

--- a/Assignment1_STN.pptx
+++ b/Assignment1_STN.pptx
@@ -244,7 +244,7 @@
           <a:p>
             <a:fld id="{E5B94112-40F8-46F1-9938-B2754288A1D5}" type="datetimeFigureOut">
               <a:rPr lang="en-NZ" smtClean="0"/>
-              <a:t>24/03/2017</a:t>
+              <a:t>29/03/2017</a:t>
             </a:fld>
             <a:endParaRPr lang="en-NZ"/>
           </a:p>
@@ -414,7 +414,7 @@
           <a:p>
             <a:fld id="{E5B94112-40F8-46F1-9938-B2754288A1D5}" type="datetimeFigureOut">
               <a:rPr lang="en-NZ" smtClean="0"/>
-              <a:t>24/03/2017</a:t>
+              <a:t>29/03/2017</a:t>
             </a:fld>
             <a:endParaRPr lang="en-NZ"/>
           </a:p>
@@ -594,7 +594,7 @@
           <a:p>
             <a:fld id="{E5B94112-40F8-46F1-9938-B2754288A1D5}" type="datetimeFigureOut">
               <a:rPr lang="en-NZ" smtClean="0"/>
-              <a:t>24/03/2017</a:t>
+              <a:t>29/03/2017</a:t>
             </a:fld>
             <a:endParaRPr lang="en-NZ"/>
           </a:p>
@@ -764,7 +764,7 @@
           <a:p>
             <a:fld id="{E5B94112-40F8-46F1-9938-B2754288A1D5}" type="datetimeFigureOut">
               <a:rPr lang="en-NZ" smtClean="0"/>
-              <a:t>24/03/2017</a:t>
+              <a:t>29/03/2017</a:t>
             </a:fld>
             <a:endParaRPr lang="en-NZ"/>
           </a:p>
@@ -1010,7 +1010,7 @@
           <a:p>
             <a:fld id="{E5B94112-40F8-46F1-9938-B2754288A1D5}" type="datetimeFigureOut">
               <a:rPr lang="en-NZ" smtClean="0"/>
-              <a:t>24/03/2017</a:t>
+              <a:t>29/03/2017</a:t>
             </a:fld>
             <a:endParaRPr lang="en-NZ"/>
           </a:p>
@@ -1242,7 +1242,7 @@
           <a:p>
             <a:fld id="{E5B94112-40F8-46F1-9938-B2754288A1D5}" type="datetimeFigureOut">
               <a:rPr lang="en-NZ" smtClean="0"/>
-              <a:t>24/03/2017</a:t>
+              <a:t>29/03/2017</a:t>
             </a:fld>
             <a:endParaRPr lang="en-NZ"/>
           </a:p>
@@ -1609,7 +1609,7 @@
           <a:p>
             <a:fld id="{E5B94112-40F8-46F1-9938-B2754288A1D5}" type="datetimeFigureOut">
               <a:rPr lang="en-NZ" smtClean="0"/>
-              <a:t>24/03/2017</a:t>
+              <a:t>29/03/2017</a:t>
             </a:fld>
             <a:endParaRPr lang="en-NZ"/>
           </a:p>
@@ -1727,7 +1727,7 @@
           <a:p>
             <a:fld id="{E5B94112-40F8-46F1-9938-B2754288A1D5}" type="datetimeFigureOut">
               <a:rPr lang="en-NZ" smtClean="0"/>
-              <a:t>24/03/2017</a:t>
+              <a:t>29/03/2017</a:t>
             </a:fld>
             <a:endParaRPr lang="en-NZ"/>
           </a:p>
@@ -1822,7 +1822,7 @@
           <a:p>
             <a:fld id="{E5B94112-40F8-46F1-9938-B2754288A1D5}" type="datetimeFigureOut">
               <a:rPr lang="en-NZ" smtClean="0"/>
-              <a:t>24/03/2017</a:t>
+              <a:t>29/03/2017</a:t>
             </a:fld>
             <a:endParaRPr lang="en-NZ"/>
           </a:p>
@@ -2099,7 +2099,7 @@
           <a:p>
             <a:fld id="{E5B94112-40F8-46F1-9938-B2754288A1D5}" type="datetimeFigureOut">
               <a:rPr lang="en-NZ" smtClean="0"/>
-              <a:t>24/03/2017</a:t>
+              <a:t>29/03/2017</a:t>
             </a:fld>
             <a:endParaRPr lang="en-NZ"/>
           </a:p>
@@ -2352,7 +2352,7 @@
           <a:p>
             <a:fld id="{E5B94112-40F8-46F1-9938-B2754288A1D5}" type="datetimeFigureOut">
               <a:rPr lang="en-NZ" smtClean="0"/>
-              <a:t>24/03/2017</a:t>
+              <a:t>29/03/2017</a:t>
             </a:fld>
             <a:endParaRPr lang="en-NZ"/>
           </a:p>
@@ -2565,7 +2565,7 @@
           <a:p>
             <a:fld id="{E5B94112-40F8-46F1-9938-B2754288A1D5}" type="datetimeFigureOut">
               <a:rPr lang="en-NZ" smtClean="0"/>
-              <a:t>24/03/2017</a:t>
+              <a:t>29/03/2017</a:t>
             </a:fld>
             <a:endParaRPr lang="en-NZ"/>
           </a:p>
@@ -3303,113 +3303,128 @@
           </a:fontRef>
         </p:style>
       </p:cxnSp>
-      <p:sp>
-        <p:nvSpPr>
-          <p:cNvPr id="14" name="Oval 13"/>
-          <p:cNvSpPr/>
+      <p:grpSp>
+        <p:nvGrpSpPr>
+          <p:cNvPr id="6" name="Group 5"/>
+          <p:cNvGrpSpPr/>
           <p:nvPr/>
-        </p:nvSpPr>
-        <p:spPr>
-          <a:xfrm>
-            <a:off x="3324808" y="4136572"/>
+        </p:nvGrpSpPr>
+        <p:grpSpPr>
+          <a:xfrm>
+            <a:off x="8808098" y="3869471"/>
             <a:ext cx="1268964" cy="1287624"/>
-          </a:xfrm>
-          <a:prstGeom prst="ellipse">
-            <a:avLst/>
-          </a:prstGeom>
-          <a:solidFill>
-            <a:schemeClr val="bg1"/>
-          </a:solidFill>
-          <a:ln>
+            <a:chOff x="3324808" y="4136572"/>
+            <a:chExt cx="1268964" cy="1287624"/>
+          </a:xfrm>
+        </p:grpSpPr>
+        <p:sp>
+          <p:nvSpPr>
+            <p:cNvPr id="14" name="Oval 13"/>
+            <p:cNvSpPr/>
+            <p:nvPr/>
+          </p:nvSpPr>
+          <p:spPr>
+            <a:xfrm>
+              <a:off x="3324808" y="4136572"/>
+              <a:ext cx="1268964" cy="1287624"/>
+            </a:xfrm>
+            <a:prstGeom prst="ellipse">
+              <a:avLst/>
+            </a:prstGeom>
             <a:solidFill>
-              <a:schemeClr val="tx1"/>
+              <a:schemeClr val="bg1"/>
             </a:solidFill>
-          </a:ln>
-        </p:spPr>
-        <p:style>
-          <a:lnRef idx="2">
-            <a:schemeClr val="accent1">
-              <a:shade val="50000"/>
-            </a:schemeClr>
-          </a:lnRef>
-          <a:fillRef idx="1">
-            <a:schemeClr val="accent1"/>
-          </a:fillRef>
-          <a:effectRef idx="0">
-            <a:schemeClr val="accent1"/>
-          </a:effectRef>
-          <a:fontRef idx="minor">
-            <a:schemeClr val="lt1"/>
-          </a:fontRef>
-        </p:style>
-        <p:txBody>
-          <a:bodyPr rtlCol="0" anchor="ctr"/>
-          <a:lstStyle/>
-          <a:p>
-            <a:pPr algn="ctr"/>
-            <a:endParaRPr lang="en-NZ" dirty="0">
+            <a:ln>
               <a:solidFill>
                 <a:schemeClr val="tx1"/>
               </a:solidFill>
-            </a:endParaRPr>
-          </a:p>
-        </p:txBody>
-      </p:sp>
-      <p:sp>
-        <p:nvSpPr>
-          <p:cNvPr id="15" name="Oval 14"/>
-          <p:cNvSpPr/>
-          <p:nvPr/>
-        </p:nvSpPr>
-        <p:spPr>
-          <a:xfrm>
-            <a:off x="3442996" y="4282751"/>
-            <a:ext cx="1031033" cy="979714"/>
-          </a:xfrm>
-          <a:prstGeom prst="ellipse">
-            <a:avLst/>
-          </a:prstGeom>
-          <a:solidFill>
-            <a:schemeClr val="bg1"/>
-          </a:solidFill>
-          <a:ln>
-            <a:solidFill>
-              <a:schemeClr val="tx1"/>
-            </a:solidFill>
-          </a:ln>
-        </p:spPr>
-        <p:style>
-          <a:lnRef idx="2">
-            <a:schemeClr val="accent1">
-              <a:shade val="50000"/>
-            </a:schemeClr>
-          </a:lnRef>
-          <a:fillRef idx="1">
-            <a:schemeClr val="accent1"/>
-          </a:fillRef>
-          <a:effectRef idx="0">
-            <a:schemeClr val="accent1"/>
-          </a:effectRef>
-          <a:fontRef idx="minor">
-            <a:schemeClr val="lt1"/>
-          </a:fontRef>
-        </p:style>
-        <p:txBody>
-          <a:bodyPr rtlCol="0" anchor="ctr"/>
-          <a:lstStyle/>
-          <a:p>
-            <a:pPr algn="ctr"/>
-            <a:r>
-              <a:rPr lang="en-NZ" dirty="0">
+            </a:ln>
+          </p:spPr>
+          <p:style>
+            <a:lnRef idx="2">
+              <a:schemeClr val="accent1">
+                <a:shade val="50000"/>
+              </a:schemeClr>
+            </a:lnRef>
+            <a:fillRef idx="1">
+              <a:schemeClr val="accent1"/>
+            </a:fillRef>
+            <a:effectRef idx="0">
+              <a:schemeClr val="accent1"/>
+            </a:effectRef>
+            <a:fontRef idx="minor">
+              <a:schemeClr val="lt1"/>
+            </a:fontRef>
+          </p:style>
+          <p:txBody>
+            <a:bodyPr rtlCol="0" anchor="ctr"/>
+            <a:lstStyle/>
+            <a:p>
+              <a:pPr algn="ctr"/>
+              <a:endParaRPr lang="en-NZ" dirty="0">
                 <a:solidFill>
                   <a:schemeClr val="tx1"/>
                 </a:solidFill>
-              </a:rPr>
-              <a:t>Finish</a:t>
-            </a:r>
-          </a:p>
-        </p:txBody>
-      </p:sp>
+              </a:endParaRPr>
+            </a:p>
+          </p:txBody>
+        </p:sp>
+        <p:sp>
+          <p:nvSpPr>
+            <p:cNvPr id="15" name="Oval 14"/>
+            <p:cNvSpPr/>
+            <p:nvPr/>
+          </p:nvSpPr>
+          <p:spPr>
+            <a:xfrm>
+              <a:off x="3442996" y="4282751"/>
+              <a:ext cx="1031033" cy="979714"/>
+            </a:xfrm>
+            <a:prstGeom prst="ellipse">
+              <a:avLst/>
+            </a:prstGeom>
+            <a:solidFill>
+              <a:schemeClr val="bg1"/>
+            </a:solidFill>
+            <a:ln>
+              <a:solidFill>
+                <a:schemeClr val="tx1"/>
+              </a:solidFill>
+            </a:ln>
+          </p:spPr>
+          <p:style>
+            <a:lnRef idx="2">
+              <a:schemeClr val="accent1">
+                <a:shade val="50000"/>
+              </a:schemeClr>
+            </a:lnRef>
+            <a:fillRef idx="1">
+              <a:schemeClr val="accent1"/>
+            </a:fillRef>
+            <a:effectRef idx="0">
+              <a:schemeClr val="accent1"/>
+            </a:effectRef>
+            <a:fontRef idx="minor">
+              <a:schemeClr val="lt1"/>
+            </a:fontRef>
+          </p:style>
+          <p:txBody>
+            <a:bodyPr rtlCol="0" anchor="ctr"/>
+            <a:lstStyle/>
+            <a:p>
+              <a:pPr algn="ctr"/>
+              <a:r>
+                <a:rPr lang="en-NZ" dirty="0">
+                  <a:solidFill>
+                    <a:schemeClr val="tx1"/>
+                  </a:solidFill>
+                </a:rPr>
+                <a:t>Finish</a:t>
+              </a:r>
+            </a:p>
+          </p:txBody>
+        </p:sp>
+      </p:grpSp>
       <p:cxnSp>
         <p:nvCxnSpPr>
           <p:cNvPr id="16" name="Straight Arrow Connector 15"/>
@@ -3420,7 +3435,7 @@
         </p:nvCxnSpPr>
         <p:spPr>
           <a:xfrm flipH="1">
-            <a:off x="3958512" y="2547257"/>
+            <a:off x="9426251" y="2353246"/>
             <a:ext cx="16329" cy="1516225"/>
           </a:xfrm>
           <a:prstGeom prst="straightConnector1">
@@ -3456,8 +3471,8 @@
         </p:nvSpPr>
         <p:spPr>
           <a:xfrm>
-            <a:off x="2894045" y="2946141"/>
-            <a:ext cx="1399592" cy="923330"/>
+            <a:off x="8226490" y="3027387"/>
+            <a:ext cx="1399592" cy="369332"/>
           </a:xfrm>
           <a:prstGeom prst="rect">
             <a:avLst/>
@@ -3475,7 +3490,7 @@
           <a:p>
             <a:r>
               <a:rPr lang="en-NZ" dirty="0"/>
-              <a:t>The User Closes The App</a:t>
+              <a:t>Click “Save”</a:t>
             </a:r>
           </a:p>
         </p:txBody>
@@ -5270,6 +5285,19 @@
           <a:lstStyle/>
           <a:p>
             <a:r>
+              <a:rPr lang="en-NZ">
+                <a:ln w="0"/>
+                <a:effectLst>
+                  <a:outerShdw blurRad="38100" dist="19050" dir="2700000" algn="tl" rotWithShape="0">
+                    <a:schemeClr val="dk1">
+                      <a:alpha val="40000"/>
+                    </a:schemeClr>
+                  </a:outerShdw>
+                </a:effectLst>
+              </a:rPr>
+              <a:t>Tap </a:t>
+            </a:r>
+            <a:r>
               <a:rPr lang="en-NZ" dirty="0">
                 <a:ln w="0"/>
                 <a:effectLst>
@@ -5280,7 +5308,7 @@
                   </a:outerShdw>
                 </a:effectLst>
               </a:rPr>
-              <a:t>Tape on the Save Icon</a:t>
+              <a:t>on the Save Icon</a:t>
             </a:r>
           </a:p>
         </p:txBody>
